--- a/NLP/NLP.pptx
+++ b/NLP/NLP.pptx
@@ -165,6 +165,7 @@
           </a:p>
         </c:rich>
       </c:tx>
+      <c:layout/>
       <c:overlay val="0"/>
       <c:spPr>
         <a:noFill/>
@@ -254,6 +255,7 @@
             <c:showLeaderLines val="0"/>
             <c:extLst>
               <c:ext xmlns:c15="http://schemas.microsoft.com/office/drawing/2012/chart" uri="{CE6537A1-D6FC-4f65-9D91-7224C49458BB}">
+                <c15:layout/>
                 <c15:showLeaderLines val="1"/>
                 <c15:leaderLines>
                   <c:spPr>
@@ -344,6 +346,7 @@
             <c:showLeaderLines val="0"/>
             <c:extLst>
               <c:ext xmlns:c15="http://schemas.microsoft.com/office/drawing/2012/chart" uri="{CE6537A1-D6FC-4f65-9D91-7224C49458BB}">
+                <c15:layout/>
                 <c15:showLeaderLines val="1"/>
                 <c15:leaderLines>
                   <c:spPr>
@@ -434,6 +437,7 @@
             <c:showLeaderLines val="0"/>
             <c:extLst>
               <c:ext xmlns:c15="http://schemas.microsoft.com/office/drawing/2012/chart" uri="{CE6537A1-D6FC-4f65-9D91-7224C49458BB}">
+                <c15:layout/>
                 <c15:showLeaderLines val="1"/>
                 <c15:leaderLines>
                   <c:spPr>
@@ -524,6 +528,7 @@
             <c:showLeaderLines val="0"/>
             <c:extLst>
               <c:ext xmlns:c15="http://schemas.microsoft.com/office/drawing/2012/chart" uri="{CE6537A1-D6FC-4f65-9D91-7224C49458BB}">
+                <c15:layout/>
                 <c15:showLeaderLines val="1"/>
                 <c15:leaderLines>
                   <c:spPr>
@@ -614,6 +619,7 @@
             <c:showLeaderLines val="0"/>
             <c:extLst>
               <c:ext xmlns:c15="http://schemas.microsoft.com/office/drawing/2012/chart" uri="{CE6537A1-D6FC-4f65-9D91-7224C49458BB}">
+                <c15:layout/>
                 <c15:showLeaderLines val="1"/>
                 <c15:leaderLines>
                   <c:spPr>
@@ -662,11 +668,11 @@
         </c:dLbls>
         <c:gapWidth val="219"/>
         <c:overlap val="-27"/>
-        <c:axId val="290103208"/>
-        <c:axId val="290103992"/>
+        <c:axId val="326674096"/>
+        <c:axId val="326674880"/>
       </c:barChart>
       <c:catAx>
-        <c:axId val="290103208"/>
+        <c:axId val="326674096"/>
         <c:scaling>
           <c:orientation val="minMax"/>
         </c:scaling>
@@ -676,7 +682,7 @@
         <c:majorTickMark val="none"/>
         <c:minorTickMark val="none"/>
         <c:tickLblPos val="nextTo"/>
-        <c:crossAx val="290103992"/>
+        <c:crossAx val="326674880"/>
         <c:crosses val="autoZero"/>
         <c:auto val="1"/>
         <c:lblAlgn val="ctr"/>
@@ -684,7 +690,7 @@
         <c:noMultiLvlLbl val="0"/>
       </c:catAx>
       <c:valAx>
-        <c:axId val="290103992"/>
+        <c:axId val="326674880"/>
         <c:scaling>
           <c:orientation val="minMax"/>
         </c:scaling>
@@ -730,6 +736,7 @@
               </a:p>
             </c:rich>
           </c:tx>
+          <c:layout/>
           <c:overlay val="0"/>
           <c:spPr>
             <a:noFill/>
@@ -790,7 +797,7 @@
             <a:endParaRPr lang="en-US"/>
           </a:p>
         </c:txPr>
-        <c:crossAx val="290103208"/>
+        <c:crossAx val="326674096"/>
         <c:crosses val="autoZero"/>
         <c:crossBetween val="between"/>
       </c:valAx>
@@ -915,6 +922,7 @@
           </a:p>
         </c:rich>
       </c:tx>
+      <c:layout/>
       <c:overlay val="0"/>
       <c:spPr>
         <a:noFill/>
@@ -2603,11 +2611,11 @@
           <c:showBubbleSize val="0"/>
         </c:dLbls>
         <c:smooth val="0"/>
-        <c:axId val="292722752"/>
-        <c:axId val="292727456"/>
+        <c:axId val="326674488"/>
+        <c:axId val="326675272"/>
       </c:lineChart>
       <c:catAx>
-        <c:axId val="292722752"/>
+        <c:axId val="326674488"/>
         <c:scaling>
           <c:orientation val="minMax"/>
         </c:scaling>
@@ -2639,6 +2647,7 @@
               </a:p>
             </c:rich>
           </c:tx>
+          <c:layout/>
           <c:overlay val="0"/>
           <c:spPr>
             <a:noFill/>
@@ -2705,7 +2714,7 @@
             <a:endParaRPr lang="en-US"/>
           </a:p>
         </c:txPr>
-        <c:crossAx val="292727456"/>
+        <c:crossAx val="326675272"/>
         <c:crosses val="autoZero"/>
         <c:auto val="1"/>
         <c:lblAlgn val="ctr"/>
@@ -2713,7 +2722,7 @@
         <c:noMultiLvlLbl val="0"/>
       </c:catAx>
       <c:valAx>
-        <c:axId val="292727456"/>
+        <c:axId val="326675272"/>
         <c:scaling>
           <c:orientation val="minMax"/>
         </c:scaling>
@@ -2764,6 +2773,7 @@
               </a:p>
             </c:rich>
           </c:tx>
+          <c:layout/>
           <c:overlay val="0"/>
           <c:spPr>
             <a:noFill/>
@@ -2824,7 +2834,7 @@
             <a:endParaRPr lang="en-US"/>
           </a:p>
         </c:txPr>
-        <c:crossAx val="292722752"/>
+        <c:crossAx val="326674488"/>
         <c:crosses val="autoZero"/>
         <c:crossBetween val="between"/>
       </c:valAx>
@@ -2838,6 +2848,7 @@
     </c:plotArea>
     <c:legend>
       <c:legendPos val="b"/>
+      <c:layout/>
       <c:overlay val="0"/>
       <c:spPr>
         <a:noFill/>
@@ -2939,6 +2950,7 @@
           </a:p>
         </c:rich>
       </c:tx>
+      <c:layout/>
       <c:overlay val="0"/>
       <c:spPr>
         <a:noFill/>
@@ -3042,6 +3054,7 @@
             <c:showLeaderLines val="0"/>
             <c:extLst>
               <c:ext xmlns:c15="http://schemas.microsoft.com/office/drawing/2012/chart" uri="{CE6537A1-D6FC-4f65-9D91-7224C49458BB}">
+                <c15:layout/>
                 <c15:showLeaderLines val="1"/>
                 <c15:leaderLines>
                   <c:spPr>
@@ -3170,6 +3183,7 @@
             <c:showLeaderLines val="0"/>
             <c:extLst>
               <c:ext xmlns:c15="http://schemas.microsoft.com/office/drawing/2012/chart" uri="{CE6537A1-D6FC-4f65-9D91-7224C49458BB}">
+                <c15:layout/>
                 <c15:showLeaderLines val="1"/>
                 <c15:leaderLines>
                   <c:spPr>
@@ -3298,6 +3312,7 @@
             <c:showLeaderLines val="0"/>
             <c:extLst>
               <c:ext xmlns:c15="http://schemas.microsoft.com/office/drawing/2012/chart" uri="{CE6537A1-D6FC-4f65-9D91-7224C49458BB}">
+                <c15:layout/>
                 <c15:showLeaderLines val="1"/>
                 <c15:leaderLines>
                   <c:spPr>
@@ -3370,11 +3385,11 @@
         </c:dLbls>
         <c:gapWidth val="219"/>
         <c:overlap val="-27"/>
-        <c:axId val="292723536"/>
-        <c:axId val="292725104"/>
+        <c:axId val="326678016"/>
+        <c:axId val="326678408"/>
       </c:barChart>
       <c:catAx>
-        <c:axId val="292723536"/>
+        <c:axId val="326678016"/>
         <c:scaling>
           <c:orientation val="minMax"/>
         </c:scaling>
@@ -3417,7 +3432,7 @@
             <a:endParaRPr lang="en-US"/>
           </a:p>
         </c:txPr>
-        <c:crossAx val="292725104"/>
+        <c:crossAx val="326678408"/>
         <c:crosses val="autoZero"/>
         <c:auto val="1"/>
         <c:lblAlgn val="ctr"/>
@@ -3425,7 +3440,7 @@
         <c:noMultiLvlLbl val="0"/>
       </c:catAx>
       <c:valAx>
-        <c:axId val="292725104"/>
+        <c:axId val="326678408"/>
         <c:scaling>
           <c:orientation val="minMax"/>
         </c:scaling>
@@ -3471,6 +3486,7 @@
               </a:p>
             </c:rich>
           </c:tx>
+          <c:layout/>
           <c:overlay val="0"/>
           <c:spPr>
             <a:noFill/>
@@ -3504,7 +3520,7 @@
         <c:majorTickMark val="none"/>
         <c:minorTickMark val="none"/>
         <c:tickLblPos val="nextTo"/>
-        <c:crossAx val="292723536"/>
+        <c:crossAx val="326678016"/>
         <c:crosses val="autoZero"/>
         <c:crossBetween val="between"/>
       </c:valAx>
@@ -3518,6 +3534,7 @@
     </c:plotArea>
     <c:legend>
       <c:legendPos val="b"/>
+      <c:layout/>
       <c:overlay val="0"/>
       <c:spPr>
         <a:noFill/>
@@ -10315,11 +10332,7 @@
             <a:pPr lvl="1"/>
             <a:r>
               <a:rPr lang="en-US" sz="2400" dirty="0" smtClean="0"/>
-              <a:t>Allow a model to be saved between </a:t>
-            </a:r>
-            <a:r>
-              <a:rPr lang="en-US" sz="2400" dirty="0" smtClean="0"/>
-              <a:t>program sessions</a:t>
+              <a:t>Allow a model to be saved between program sessions</a:t>
             </a:r>
           </a:p>
           <a:p>
@@ -10428,7 +10441,7 @@
         </p:nvGrpSpPr>
         <p:grpSpPr>
           <a:xfrm>
-            <a:off x="2856771" y="3298142"/>
+            <a:off x="2887251" y="2706471"/>
             <a:ext cx="6478458" cy="1483641"/>
             <a:chOff x="2786903" y="3528975"/>
             <a:chExt cx="6478458" cy="1483641"/>
@@ -10907,6 +10920,453 @@
           </p:txBody>
         </p:sp>
       </p:grpSp>
+      <mc:AlternateContent xmlns:mc="http://schemas.openxmlformats.org/markup-compatibility/2006">
+        <mc:Choice xmlns:a14="http://schemas.microsoft.com/office/drawing/2010/main" Requires="a14">
+          <p:sp>
+            <p:nvSpPr>
+              <p:cNvPr id="17" name="Content Placeholder 2"/>
+              <p:cNvSpPr txBox="1">
+                <a:spLocks/>
+              </p:cNvSpPr>
+              <p:nvPr/>
+            </p:nvSpPr>
+            <p:spPr>
+              <a:xfrm>
+                <a:off x="881232" y="4279347"/>
+                <a:ext cx="10515600" cy="2079401"/>
+              </a:xfrm>
+              <a:prstGeom prst="rect">
+                <a:avLst/>
+              </a:prstGeom>
+            </p:spPr>
+            <p:txBody>
+              <a:bodyPr vert="horz" lIns="0" tIns="45720" rIns="0" bIns="45720" rtlCol="0">
+                <a:normAutofit lnSpcReduction="10000"/>
+              </a:bodyPr>
+              <a:lstStyle>
+                <a:lvl1pPr marL="91440" indent="-91440" algn="l" defTabSz="914400" rtl="0" eaLnBrk="1" latinLnBrk="0" hangingPunct="1">
+                  <a:lnSpc>
+                    <a:spcPct val="90000"/>
+                  </a:lnSpc>
+                  <a:spcBef>
+                    <a:spcPts val="1200"/>
+                  </a:spcBef>
+                  <a:spcAft>
+                    <a:spcPts val="200"/>
+                  </a:spcAft>
+                  <a:buClr>
+                    <a:schemeClr val="accent1"/>
+                  </a:buClr>
+                  <a:buSzPct val="100000"/>
+                  <a:buFont typeface="Calibri" panose="020F0502020204030204" pitchFamily="34" charset="0"/>
+                  <a:buChar char=" "/>
+                  <a:defRPr sz="2000" kern="1200">
+                    <a:solidFill>
+                      <a:schemeClr val="tx1">
+                        <a:lumMod val="75000"/>
+                        <a:lumOff val="25000"/>
+                      </a:schemeClr>
+                    </a:solidFill>
+                    <a:latin typeface="+mn-lt"/>
+                    <a:ea typeface="+mn-ea"/>
+                    <a:cs typeface="+mn-cs"/>
+                  </a:defRPr>
+                </a:lvl1pPr>
+                <a:lvl2pPr marL="384048" indent="-182880" algn="l" defTabSz="914400" rtl="0" eaLnBrk="1" latinLnBrk="0" hangingPunct="1">
+                  <a:lnSpc>
+                    <a:spcPct val="90000"/>
+                  </a:lnSpc>
+                  <a:spcBef>
+                    <a:spcPts val="200"/>
+                  </a:spcBef>
+                  <a:spcAft>
+                    <a:spcPts val="400"/>
+                  </a:spcAft>
+                  <a:buClr>
+                    <a:schemeClr val="accent1"/>
+                  </a:buClr>
+                  <a:buFont typeface="Calibri" pitchFamily="34" charset="0"/>
+                  <a:buChar char="◦"/>
+                  <a:defRPr sz="1800" kern="1200">
+                    <a:solidFill>
+                      <a:schemeClr val="tx1">
+                        <a:lumMod val="75000"/>
+                        <a:lumOff val="25000"/>
+                      </a:schemeClr>
+                    </a:solidFill>
+                    <a:latin typeface="+mn-lt"/>
+                    <a:ea typeface="+mn-ea"/>
+                    <a:cs typeface="+mn-cs"/>
+                  </a:defRPr>
+                </a:lvl2pPr>
+                <a:lvl3pPr marL="566928" indent="-182880" algn="l" defTabSz="914400" rtl="0" eaLnBrk="1" latinLnBrk="0" hangingPunct="1">
+                  <a:lnSpc>
+                    <a:spcPct val="90000"/>
+                  </a:lnSpc>
+                  <a:spcBef>
+                    <a:spcPts val="200"/>
+                  </a:spcBef>
+                  <a:spcAft>
+                    <a:spcPts val="400"/>
+                  </a:spcAft>
+                  <a:buClr>
+                    <a:schemeClr val="accent1"/>
+                  </a:buClr>
+                  <a:buFont typeface="Calibri" pitchFamily="34" charset="0"/>
+                  <a:buChar char="◦"/>
+                  <a:defRPr sz="1400" kern="1200">
+                    <a:solidFill>
+                      <a:schemeClr val="tx1">
+                        <a:lumMod val="75000"/>
+                        <a:lumOff val="25000"/>
+                      </a:schemeClr>
+                    </a:solidFill>
+                    <a:latin typeface="+mn-lt"/>
+                    <a:ea typeface="+mn-ea"/>
+                    <a:cs typeface="+mn-cs"/>
+                  </a:defRPr>
+                </a:lvl3pPr>
+                <a:lvl4pPr marL="749808" indent="-182880" algn="l" defTabSz="914400" rtl="0" eaLnBrk="1" latinLnBrk="0" hangingPunct="1">
+                  <a:lnSpc>
+                    <a:spcPct val="90000"/>
+                  </a:lnSpc>
+                  <a:spcBef>
+                    <a:spcPts val="200"/>
+                  </a:spcBef>
+                  <a:spcAft>
+                    <a:spcPts val="400"/>
+                  </a:spcAft>
+                  <a:buClr>
+                    <a:schemeClr val="accent1"/>
+                  </a:buClr>
+                  <a:buFont typeface="Calibri" pitchFamily="34" charset="0"/>
+                  <a:buChar char="◦"/>
+                  <a:defRPr sz="1400" kern="1200">
+                    <a:solidFill>
+                      <a:schemeClr val="tx1">
+                        <a:lumMod val="75000"/>
+                        <a:lumOff val="25000"/>
+                      </a:schemeClr>
+                    </a:solidFill>
+                    <a:latin typeface="+mn-lt"/>
+                    <a:ea typeface="+mn-ea"/>
+                    <a:cs typeface="+mn-cs"/>
+                  </a:defRPr>
+                </a:lvl4pPr>
+                <a:lvl5pPr marL="932688" indent="-182880" algn="l" defTabSz="914400" rtl="0" eaLnBrk="1" latinLnBrk="0" hangingPunct="1">
+                  <a:lnSpc>
+                    <a:spcPct val="90000"/>
+                  </a:lnSpc>
+                  <a:spcBef>
+                    <a:spcPts val="200"/>
+                  </a:spcBef>
+                  <a:spcAft>
+                    <a:spcPts val="400"/>
+                  </a:spcAft>
+                  <a:buClr>
+                    <a:schemeClr val="accent1"/>
+                  </a:buClr>
+                  <a:buFont typeface="Calibri" pitchFamily="34" charset="0"/>
+                  <a:buChar char="◦"/>
+                  <a:defRPr sz="1400" kern="1200">
+                    <a:solidFill>
+                      <a:schemeClr val="tx1">
+                        <a:lumMod val="75000"/>
+                        <a:lumOff val="25000"/>
+                      </a:schemeClr>
+                    </a:solidFill>
+                    <a:latin typeface="+mn-lt"/>
+                    <a:ea typeface="+mn-ea"/>
+                    <a:cs typeface="+mn-cs"/>
+                  </a:defRPr>
+                </a:lvl5pPr>
+                <a:lvl6pPr marL="1100000" indent="-228600" algn="l" defTabSz="914400" rtl="0" eaLnBrk="1" latinLnBrk="0" hangingPunct="1">
+                  <a:lnSpc>
+                    <a:spcPct val="90000"/>
+                  </a:lnSpc>
+                  <a:spcBef>
+                    <a:spcPts val="200"/>
+                  </a:spcBef>
+                  <a:spcAft>
+                    <a:spcPts val="400"/>
+                  </a:spcAft>
+                  <a:buClr>
+                    <a:schemeClr val="accent1"/>
+                  </a:buClr>
+                  <a:buFont typeface="Calibri" pitchFamily="34" charset="0"/>
+                  <a:buChar char="◦"/>
+                  <a:defRPr sz="1400" kern="1200">
+                    <a:solidFill>
+                      <a:schemeClr val="tx1">
+                        <a:lumMod val="75000"/>
+                        <a:lumOff val="25000"/>
+                      </a:schemeClr>
+                    </a:solidFill>
+                    <a:latin typeface="+mn-lt"/>
+                    <a:ea typeface="+mn-ea"/>
+                    <a:cs typeface="+mn-cs"/>
+                  </a:defRPr>
+                </a:lvl6pPr>
+                <a:lvl7pPr marL="1300000" indent="-228600" algn="l" defTabSz="914400" rtl="0" eaLnBrk="1" latinLnBrk="0" hangingPunct="1">
+                  <a:lnSpc>
+                    <a:spcPct val="90000"/>
+                  </a:lnSpc>
+                  <a:spcBef>
+                    <a:spcPts val="200"/>
+                  </a:spcBef>
+                  <a:spcAft>
+                    <a:spcPts val="400"/>
+                  </a:spcAft>
+                  <a:buClr>
+                    <a:schemeClr val="accent1"/>
+                  </a:buClr>
+                  <a:buFont typeface="Calibri" pitchFamily="34" charset="0"/>
+                  <a:buChar char="◦"/>
+                  <a:defRPr sz="1400" kern="1200">
+                    <a:solidFill>
+                      <a:schemeClr val="tx1">
+                        <a:lumMod val="75000"/>
+                        <a:lumOff val="25000"/>
+                      </a:schemeClr>
+                    </a:solidFill>
+                    <a:latin typeface="+mn-lt"/>
+                    <a:ea typeface="+mn-ea"/>
+                    <a:cs typeface="+mn-cs"/>
+                  </a:defRPr>
+                </a:lvl7pPr>
+                <a:lvl8pPr marL="1500000" indent="-228600" algn="l" defTabSz="914400" rtl="0" eaLnBrk="1" latinLnBrk="0" hangingPunct="1">
+                  <a:lnSpc>
+                    <a:spcPct val="90000"/>
+                  </a:lnSpc>
+                  <a:spcBef>
+                    <a:spcPts val="200"/>
+                  </a:spcBef>
+                  <a:spcAft>
+                    <a:spcPts val="400"/>
+                  </a:spcAft>
+                  <a:buClr>
+                    <a:schemeClr val="accent1"/>
+                  </a:buClr>
+                  <a:buFont typeface="Calibri" pitchFamily="34" charset="0"/>
+                  <a:buChar char="◦"/>
+                  <a:defRPr sz="1400" kern="1200">
+                    <a:solidFill>
+                      <a:schemeClr val="tx1">
+                        <a:lumMod val="75000"/>
+                        <a:lumOff val="25000"/>
+                      </a:schemeClr>
+                    </a:solidFill>
+                    <a:latin typeface="+mn-lt"/>
+                    <a:ea typeface="+mn-ea"/>
+                    <a:cs typeface="+mn-cs"/>
+                  </a:defRPr>
+                </a:lvl8pPr>
+                <a:lvl9pPr marL="1700000" indent="-228600" algn="l" defTabSz="914400" rtl="0" eaLnBrk="1" latinLnBrk="0" hangingPunct="1">
+                  <a:lnSpc>
+                    <a:spcPct val="90000"/>
+                  </a:lnSpc>
+                  <a:spcBef>
+                    <a:spcPts val="200"/>
+                  </a:spcBef>
+                  <a:spcAft>
+                    <a:spcPts val="400"/>
+                  </a:spcAft>
+                  <a:buClr>
+                    <a:schemeClr val="accent1"/>
+                  </a:buClr>
+                  <a:buFont typeface="Calibri" pitchFamily="34" charset="0"/>
+                  <a:buChar char="◦"/>
+                  <a:defRPr sz="1400" kern="1200">
+                    <a:solidFill>
+                      <a:schemeClr val="tx1">
+                        <a:lumMod val="75000"/>
+                        <a:lumOff val="25000"/>
+                      </a:schemeClr>
+                    </a:solidFill>
+                    <a:latin typeface="+mn-lt"/>
+                    <a:ea typeface="+mn-ea"/>
+                    <a:cs typeface="+mn-cs"/>
+                  </a:defRPr>
+                </a:lvl9pPr>
+              </a:lstStyle>
+              <a:p>
+                <a:pPr marL="285750" indent="-285750">
+                  <a:buFont typeface="Arial" panose="020B0604020202020204" pitchFamily="34" charset="0"/>
+                  <a:buChar char="•"/>
+                </a:pPr>
+                <a:r>
+                  <a:rPr lang="en-US" dirty="0"/>
+                  <a:t>The number of grams grows exponentially with model depth</a:t>
+                </a:r>
+              </a:p>
+              <a:p>
+                <a:pPr marL="285750" indent="-285750">
+                  <a:buFont typeface="Arial" panose="020B0604020202020204" pitchFamily="34" charset="0"/>
+                  <a:buChar char="•"/>
+                </a:pPr>
+                <a:r>
+                  <a:rPr lang="en-US" dirty="0"/>
+                  <a:t>With vocabulary </a:t>
+                </a:r>
+                <a14:m>
+                  <m:oMath xmlns:m="http://schemas.openxmlformats.org/officeDocument/2006/math">
+                    <m:r>
+                      <a:rPr lang="en-US" i="1">
+                        <a:latin typeface="Cambria Math" panose="02040503050406030204" pitchFamily="18" charset="0"/>
+                      </a:rPr>
+                      <m:t>𝑉</m:t>
+                    </m:r>
+                  </m:oMath>
+                </a14:m>
+                <a:r>
+                  <a:rPr lang="en-US" dirty="0"/>
+                  <a:t>, </a:t>
+                </a:r>
+              </a:p>
+              <a:p>
+                <a:pPr marL="742950" lvl="1" indent="-285750">
+                  <a:buFont typeface="Arial" panose="020B0604020202020204" pitchFamily="34" charset="0"/>
+                  <a:buChar char="•"/>
+                </a:pPr>
+                <a:r>
+                  <a:rPr lang="en-US" dirty="0"/>
+                  <a:t>Bigram model = </a:t>
+                </a:r>
+                <a14:m>
+                  <m:oMath xmlns:m="http://schemas.openxmlformats.org/officeDocument/2006/math">
+                    <m:sSup>
+                      <m:sSupPr>
+                        <m:ctrlPr>
+                          <a:rPr lang="en-US" i="1">
+                            <a:latin typeface="Cambria Math" panose="02040503050406030204" pitchFamily="18" charset="0"/>
+                          </a:rPr>
+                        </m:ctrlPr>
+                      </m:sSupPr>
+                      <m:e>
+                        <m:r>
+                          <a:rPr lang="en-US" i="1">
+                            <a:latin typeface="Cambria Math" panose="02040503050406030204" pitchFamily="18" charset="0"/>
+                          </a:rPr>
+                          <m:t>𝑉</m:t>
+                        </m:r>
+                      </m:e>
+                      <m:sup>
+                        <m:r>
+                          <a:rPr lang="en-US" i="1">
+                            <a:latin typeface="Cambria Math" panose="02040503050406030204" pitchFamily="18" charset="0"/>
+                          </a:rPr>
+                          <m:t>2</m:t>
+                        </m:r>
+                      </m:sup>
+                    </m:sSup>
+                  </m:oMath>
+                </a14:m>
+                <a:r>
+                  <a:rPr lang="en-US" dirty="0"/>
+                  <a:t>grams</a:t>
+                </a:r>
+              </a:p>
+              <a:p>
+                <a:pPr marL="742950" lvl="1" indent="-285750">
+                  <a:buFont typeface="Arial" panose="020B0604020202020204" pitchFamily="34" charset="0"/>
+                  <a:buChar char="•"/>
+                </a:pPr>
+                <a:r>
+                  <a:rPr lang="en-US" dirty="0"/>
+                  <a:t>Trigram model = </a:t>
+                </a:r>
+                <a14:m>
+                  <m:oMath xmlns:m="http://schemas.openxmlformats.org/officeDocument/2006/math">
+                    <m:sSup>
+                      <m:sSupPr>
+                        <m:ctrlPr>
+                          <a:rPr lang="en-US" i="1">
+                            <a:latin typeface="Cambria Math" panose="02040503050406030204" pitchFamily="18" charset="0"/>
+                          </a:rPr>
+                        </m:ctrlPr>
+                      </m:sSupPr>
+                      <m:e>
+                        <m:r>
+                          <a:rPr lang="en-US" i="1">
+                            <a:latin typeface="Cambria Math" panose="02040503050406030204" pitchFamily="18" charset="0"/>
+                          </a:rPr>
+                          <m:t>𝑉</m:t>
+                        </m:r>
+                      </m:e>
+                      <m:sup>
+                        <m:r>
+                          <a:rPr lang="en-US" i="1">
+                            <a:latin typeface="Cambria Math" panose="02040503050406030204" pitchFamily="18" charset="0"/>
+                          </a:rPr>
+                          <m:t>3</m:t>
+                        </m:r>
+                      </m:sup>
+                    </m:sSup>
+                    <m:r>
+                      <a:rPr lang="en-US" i="1">
+                        <a:latin typeface="Cambria Math" panose="02040503050406030204" pitchFamily="18" charset="0"/>
+                      </a:rPr>
+                      <m:t> </m:t>
+                    </m:r>
+                  </m:oMath>
+                </a14:m>
+                <a:r>
+                  <a:rPr lang="en-US" dirty="0"/>
+                  <a:t>grams</a:t>
+                </a:r>
+              </a:p>
+              <a:p>
+                <a:pPr marL="285750" indent="-285750">
+                  <a:buFont typeface="Arial" panose="020B0604020202020204" pitchFamily="34" charset="0"/>
+                  <a:buChar char="•"/>
+                </a:pPr>
+                <a:r>
+                  <a:rPr lang="en-US" dirty="0"/>
+                  <a:t>N-gram models of depth greater than three aren’t typically used because it is impossible to sufficiently train the model</a:t>
+                </a:r>
+              </a:p>
+            </p:txBody>
+          </p:sp>
+        </mc:Choice>
+        <mc:Fallback>
+          <p:sp>
+            <p:nvSpPr>
+              <p:cNvPr id="17" name="Content Placeholder 2"/>
+              <p:cNvSpPr txBox="1">
+                <a:spLocks noRot="1" noChangeAspect="1" noMove="1" noResize="1" noEditPoints="1" noAdjustHandles="1" noChangeArrowheads="1" noChangeShapeType="1" noTextEdit="1"/>
+              </p:cNvSpPr>
+              <p:nvPr/>
+            </p:nvSpPr>
+            <p:spPr>
+              <a:xfrm>
+                <a:off x="881232" y="4279347"/>
+                <a:ext cx="10515600" cy="2079401"/>
+              </a:xfrm>
+              <a:prstGeom prst="rect">
+                <a:avLst/>
+              </a:prstGeom>
+              <a:blipFill rotWithShape="0">
+                <a:blip r:embed="rId2"/>
+                <a:stretch>
+                  <a:fillRect l="-1391" t="-4399" b="-2346"/>
+                </a:stretch>
+              </a:blipFill>
+            </p:spPr>
+            <p:txBody>
+              <a:bodyPr/>
+              <a:lstStyle/>
+              <a:p>
+                <a:r>
+                  <a:rPr lang="en-US">
+                    <a:noFill/>
+                  </a:rPr>
+                  <a:t> </a:t>
+                </a:r>
+              </a:p>
+            </p:txBody>
+          </p:sp>
+        </mc:Fallback>
+      </mc:AlternateContent>
     </p:spTree>
     <p:extLst>
       <p:ext uri="{BB962C8B-B14F-4D97-AF65-F5344CB8AC3E}">
@@ -10960,200 +11420,39 @@
           </a:p>
         </p:txBody>
       </p:sp>
-      <mc:AlternateContent xmlns:mc="http://schemas.openxmlformats.org/markup-compatibility/2006">
-        <mc:Choice xmlns:a14="http://schemas.microsoft.com/office/drawing/2010/main" Requires="a14">
-          <p:sp>
-            <p:nvSpPr>
-              <p:cNvPr id="3" name="Content Placeholder 2"/>
-              <p:cNvSpPr>
-                <a:spLocks noGrp="1"/>
-              </p:cNvSpPr>
-              <p:nvPr>
-                <p:ph idx="1"/>
-              </p:nvPr>
-            </p:nvSpPr>
-            <p:spPr>
-              <a:xfrm>
-                <a:off x="838200" y="3646842"/>
-                <a:ext cx="10515600" cy="2530120"/>
-              </a:xfrm>
-            </p:spPr>
-            <p:txBody>
-              <a:bodyPr>
-                <a:normAutofit lnSpcReduction="10000"/>
-              </a:bodyPr>
-              <a:lstStyle/>
-              <a:p>
-                <a:r>
-                  <a:rPr lang="en-US" dirty="0" smtClean="0"/>
-                  <a:t>Accesses each chain of length three</a:t>
-                </a:r>
-              </a:p>
-              <a:p>
-                <a:r>
-                  <a:rPr lang="en-US" dirty="0" smtClean="0"/>
-                  <a:t>The number of grams grows exponentially with model depth</a:t>
-                </a:r>
-              </a:p>
-              <a:p>
-                <a:r>
-                  <a:rPr lang="en-US" dirty="0" smtClean="0"/>
-                  <a:t>With vocabulary </a:t>
-                </a:r>
-                <a14:m>
-                  <m:oMath xmlns:m="http://schemas.openxmlformats.org/officeDocument/2006/math">
-                    <m:r>
-                      <a:rPr lang="en-US" b="0" i="1" smtClean="0">
-                        <a:latin typeface="Cambria Math" panose="02040503050406030204" pitchFamily="18" charset="0"/>
-                      </a:rPr>
-                      <m:t>𝑉</m:t>
-                    </m:r>
-                  </m:oMath>
-                </a14:m>
-                <a:r>
-                  <a:rPr lang="en-US" dirty="0" smtClean="0"/>
-                  <a:t>, </a:t>
-                </a:r>
-              </a:p>
-              <a:p>
-                <a:pPr lvl="1"/>
-                <a:r>
-                  <a:rPr lang="en-US" dirty="0" smtClean="0"/>
-                  <a:t>Bigram model = </a:t>
-                </a:r>
-                <a14:m>
-                  <m:oMath xmlns:m="http://schemas.openxmlformats.org/officeDocument/2006/math">
-                    <m:sSup>
-                      <m:sSupPr>
-                        <m:ctrlPr>
-                          <a:rPr lang="en-US" i="1">
-                            <a:latin typeface="Cambria Math" panose="02040503050406030204" pitchFamily="18" charset="0"/>
-                          </a:rPr>
-                        </m:ctrlPr>
-                      </m:sSupPr>
-                      <m:e>
-                        <m:r>
-                          <a:rPr lang="en-US" i="1">
-                            <a:latin typeface="Cambria Math" panose="02040503050406030204" pitchFamily="18" charset="0"/>
-                          </a:rPr>
-                          <m:t>𝑉</m:t>
-                        </m:r>
-                      </m:e>
-                      <m:sup>
-                        <m:r>
-                          <a:rPr lang="en-US" b="0" i="1" smtClean="0">
-                            <a:latin typeface="Cambria Math" panose="02040503050406030204" pitchFamily="18" charset="0"/>
-                          </a:rPr>
-                          <m:t>2</m:t>
-                        </m:r>
-                      </m:sup>
-                    </m:sSup>
-                  </m:oMath>
-                </a14:m>
-                <a:r>
-                  <a:rPr lang="en-US" dirty="0" smtClean="0"/>
-                  <a:t>grams</a:t>
-                </a:r>
-                <a:endParaRPr lang="en-US" dirty="0"/>
-              </a:p>
-              <a:p>
-                <a:pPr lvl="1"/>
-                <a:r>
-                  <a:rPr lang="en-US" dirty="0" smtClean="0"/>
-                  <a:t>Trigram model = </a:t>
-                </a:r>
-                <a14:m>
-                  <m:oMath xmlns:m="http://schemas.openxmlformats.org/officeDocument/2006/math">
-                    <m:sSup>
-                      <m:sSupPr>
-                        <m:ctrlPr>
-                          <a:rPr lang="en-US" b="0" i="1" smtClean="0">
-                            <a:latin typeface="Cambria Math" panose="02040503050406030204" pitchFamily="18" charset="0"/>
-                          </a:rPr>
-                        </m:ctrlPr>
-                      </m:sSupPr>
-                      <m:e>
-                        <m:r>
-                          <a:rPr lang="en-US" b="0" i="1" smtClean="0">
-                            <a:latin typeface="Cambria Math" panose="02040503050406030204" pitchFamily="18" charset="0"/>
-                          </a:rPr>
-                          <m:t>𝑉</m:t>
-                        </m:r>
-                      </m:e>
-                      <m:sup>
-                        <m:r>
-                          <a:rPr lang="en-US" b="0" i="1" smtClean="0">
-                            <a:latin typeface="Cambria Math" panose="02040503050406030204" pitchFamily="18" charset="0"/>
-                          </a:rPr>
-                          <m:t>3</m:t>
-                        </m:r>
-                      </m:sup>
-                    </m:sSup>
-                    <m:r>
-                      <a:rPr lang="en-US" b="0" i="1" smtClean="0">
-                        <a:latin typeface="Cambria Math" panose="02040503050406030204" pitchFamily="18" charset="0"/>
-                      </a:rPr>
-                      <m:t> </m:t>
-                    </m:r>
-                  </m:oMath>
-                </a14:m>
-                <a:r>
-                  <a:rPr lang="en-US" dirty="0" smtClean="0"/>
-                  <a:t>grams</a:t>
-                </a:r>
-              </a:p>
-              <a:p>
-                <a:r>
-                  <a:rPr lang="en-US" dirty="0" smtClean="0"/>
-                  <a:t>N-gram models of depth greater than three aren’t typically used because it is impossible to sufficiently train the model</a:t>
-                </a:r>
-                <a:endParaRPr lang="en-US" dirty="0" smtClean="0"/>
-              </a:p>
-              <a:p>
-                <a:pPr lvl="1"/>
-                <a:endParaRPr lang="en-US" dirty="0" smtClean="0"/>
-              </a:p>
-            </p:txBody>
-          </p:sp>
-        </mc:Choice>
-        <mc:Fallback>
-          <p:sp>
-            <p:nvSpPr>
-              <p:cNvPr id="3" name="Content Placeholder 2"/>
-              <p:cNvSpPr>
-                <a:spLocks noGrp="1" noRot="1" noChangeAspect="1" noMove="1" noResize="1" noEditPoints="1" noAdjustHandles="1" noChangeArrowheads="1" noChangeShapeType="1" noTextEdit="1"/>
-              </p:cNvSpPr>
-              <p:nvPr>
-                <p:ph idx="1"/>
-              </p:nvPr>
-            </p:nvSpPr>
-            <p:spPr>
-              <a:xfrm>
-                <a:off x="838200" y="3646842"/>
-                <a:ext cx="10515600" cy="2530120"/>
-              </a:xfrm>
-              <a:blipFill rotWithShape="0">
-                <a:blip r:embed="rId2"/>
-                <a:stretch>
-                  <a:fillRect l="-638" t="-3373" b="-964"/>
-                </a:stretch>
-              </a:blipFill>
-            </p:spPr>
-            <p:txBody>
-              <a:bodyPr/>
-              <a:lstStyle/>
-              <a:p>
-                <a:r>
-                  <a:rPr lang="en-US">
-                    <a:noFill/>
-                  </a:rPr>
-                  <a:t> </a:t>
-                </a:r>
-              </a:p>
-            </p:txBody>
-          </p:sp>
-        </mc:Fallback>
-      </mc:AlternateContent>
+      <p:sp>
+        <p:nvSpPr>
+          <p:cNvPr id="3" name="Content Placeholder 2"/>
+          <p:cNvSpPr>
+            <a:spLocks noGrp="1"/>
+          </p:cNvSpPr>
+          <p:nvPr>
+            <p:ph idx="1"/>
+          </p:nvPr>
+        </p:nvSpPr>
+        <p:spPr>
+          <a:xfrm>
+            <a:off x="838200" y="3646842"/>
+            <a:ext cx="10515600" cy="2530120"/>
+          </a:xfrm>
+        </p:spPr>
+        <p:txBody>
+          <a:bodyPr>
+            <a:normAutofit/>
+          </a:bodyPr>
+          <a:lstStyle/>
+          <a:p>
+            <a:r>
+              <a:rPr lang="en-US" dirty="0" smtClean="0"/>
+              <a:t>Accesses each chain of length three</a:t>
+            </a:r>
+          </a:p>
+          <a:p>
+            <a:pPr lvl="1"/>
+            <a:endParaRPr lang="en-US" dirty="0" smtClean="0"/>
+          </a:p>
+        </p:txBody>
+      </p:sp>
       <p:grpSp>
         <p:nvGrpSpPr>
           <p:cNvPr id="4" name="Group 3"/>
@@ -11677,6 +11976,396 @@
           </a:fontRef>
         </p:style>
       </p:cxnSp>
+      <p:graphicFrame>
+        <p:nvGraphicFramePr>
+          <p:cNvPr id="16" name="Table 15"/>
+          <p:cNvGraphicFramePr>
+            <a:graphicFrameLocks noGrp="1"/>
+          </p:cNvGraphicFramePr>
+          <p:nvPr>
+            <p:extLst>
+              <p:ext uri="{D42A27DB-BD31-4B8C-83A1-F6EECF244321}">
+                <p14:modId xmlns:p14="http://schemas.microsoft.com/office/powerpoint/2010/main" val="748903528"/>
+              </p:ext>
+            </p:extLst>
+          </p:nvPr>
+        </p:nvGraphicFramePr>
+        <p:xfrm>
+          <a:off x="1294652" y="4389876"/>
+          <a:ext cx="8127999" cy="1849120"/>
+        </p:xfrm>
+        <a:graphic>
+          <a:graphicData uri="http://schemas.openxmlformats.org/drawingml/2006/table">
+            <a:tbl>
+              <a:tblPr firstRow="1" bandRow="1">
+                <a:tableStyleId>{5C22544A-7EE6-4342-B048-85BDC9FD1C3A}</a:tableStyleId>
+              </a:tblPr>
+              <a:tblGrid>
+                <a:gridCol w="2709333"/>
+                <a:gridCol w="2709333"/>
+                <a:gridCol w="2709333"/>
+              </a:tblGrid>
+              <a:tr h="230419">
+                <a:tc>
+                  <a:txBody>
+                    <a:bodyPr/>
+                    <a:lstStyle/>
+                    <a:p>
+                      <a:r>
+                        <a:rPr lang="en-US" dirty="0" smtClean="0"/>
+                        <a:t>Predicate</a:t>
+                      </a:r>
+                      <a:endParaRPr lang="en-US" dirty="0"/>
+                    </a:p>
+                  </a:txBody>
+                  <a:tcPr/>
+                </a:tc>
+                <a:tc>
+                  <a:txBody>
+                    <a:bodyPr/>
+                    <a:lstStyle/>
+                    <a:p>
+                      <a:r>
+                        <a:rPr lang="en-US" dirty="0" smtClean="0"/>
+                        <a:t>Current word</a:t>
+                      </a:r>
+                      <a:endParaRPr lang="en-US" dirty="0"/>
+                    </a:p>
+                  </a:txBody>
+                  <a:tcPr/>
+                </a:tc>
+                <a:tc>
+                  <a:txBody>
+                    <a:bodyPr/>
+                    <a:lstStyle/>
+                    <a:p>
+                      <a:r>
+                        <a:rPr lang="en-US" dirty="0" smtClean="0"/>
+                        <a:t>Probability</a:t>
+                      </a:r>
+                      <a:endParaRPr lang="en-US" dirty="0"/>
+                    </a:p>
+                  </a:txBody>
+                  <a:tcPr/>
+                </a:tc>
+              </a:tr>
+              <a:tr h="370840">
+                <a:tc>
+                  <a:txBody>
+                    <a:bodyPr/>
+                    <a:lstStyle/>
+                    <a:p>
+                      <a:r>
+                        <a:rPr lang="en-US" dirty="0" smtClean="0"/>
+                        <a:t>upon a</a:t>
+                      </a:r>
+                      <a:endParaRPr lang="en-US" dirty="0"/>
+                    </a:p>
+                  </a:txBody>
+                  <a:tcPr/>
+                </a:tc>
+                <a:tc>
+                  <a:txBody>
+                    <a:bodyPr/>
+                    <a:lstStyle/>
+                    <a:p>
+                      <a:r>
+                        <a:rPr lang="en-US" dirty="0" smtClean="0"/>
+                        <a:t>time</a:t>
+                      </a:r>
+                      <a:endParaRPr lang="en-US" dirty="0"/>
+                    </a:p>
+                  </a:txBody>
+                  <a:tcPr/>
+                </a:tc>
+                <a:tc>
+                  <a:txBody>
+                    <a:bodyPr/>
+                    <a:lstStyle/>
+                    <a:p>
+                      <a:r>
+                        <a:rPr lang="en-US" dirty="0" smtClean="0"/>
+                        <a:t>.4</a:t>
+                      </a:r>
+                      <a:endParaRPr lang="en-US" dirty="0"/>
+                    </a:p>
+                  </a:txBody>
+                  <a:tcPr/>
+                </a:tc>
+              </a:tr>
+              <a:tr h="370840">
+                <a:tc>
+                  <a:txBody>
+                    <a:bodyPr/>
+                    <a:lstStyle/>
+                    <a:p>
+                      <a:r>
+                        <a:rPr lang="en-US" dirty="0" smtClean="0"/>
+                        <a:t>upon a</a:t>
+                      </a:r>
+                      <a:endParaRPr lang="en-US" dirty="0"/>
+                    </a:p>
+                  </a:txBody>
+                  <a:tcPr/>
+                </a:tc>
+                <a:tc>
+                  <a:txBody>
+                    <a:bodyPr/>
+                    <a:lstStyle/>
+                    <a:p>
+                      <a:r>
+                        <a:rPr lang="en-US" dirty="0" smtClean="0"/>
+                        <a:t>new</a:t>
+                      </a:r>
+                      <a:endParaRPr lang="en-US" dirty="0"/>
+                    </a:p>
+                  </a:txBody>
+                  <a:tcPr/>
+                </a:tc>
+                <a:tc>
+                  <a:txBody>
+                    <a:bodyPr/>
+                    <a:lstStyle/>
+                    <a:p>
+                      <a:r>
+                        <a:rPr lang="en-US" dirty="0" smtClean="0"/>
+                        <a:t>.01</a:t>
+                      </a:r>
+                      <a:endParaRPr lang="en-US" dirty="0"/>
+                    </a:p>
+                  </a:txBody>
+                  <a:tcPr/>
+                </a:tc>
+              </a:tr>
+              <a:tr h="370840">
+                <a:tc>
+                  <a:txBody>
+                    <a:bodyPr/>
+                    <a:lstStyle/>
+                    <a:p>
+                      <a:r>
+                        <a:rPr lang="en-US" dirty="0" smtClean="0"/>
+                        <a:t>upon a</a:t>
+                      </a:r>
+                      <a:endParaRPr lang="en-US" dirty="0"/>
+                    </a:p>
+                  </a:txBody>
+                  <a:tcPr/>
+                </a:tc>
+                <a:tc>
+                  <a:txBody>
+                    <a:bodyPr/>
+                    <a:lstStyle/>
+                    <a:p>
+                      <a:r>
+                        <a:rPr lang="en-US" dirty="0" smtClean="0"/>
+                        <a:t>train</a:t>
+                      </a:r>
+                      <a:endParaRPr lang="en-US" dirty="0"/>
+                    </a:p>
+                  </a:txBody>
+                  <a:tcPr/>
+                </a:tc>
+                <a:tc>
+                  <a:txBody>
+                    <a:bodyPr/>
+                    <a:lstStyle/>
+                    <a:p>
+                      <a:r>
+                        <a:rPr lang="en-US" smtClean="0"/>
+                        <a:t>.005</a:t>
+                      </a:r>
+                      <a:endParaRPr lang="en-US" dirty="0"/>
+                    </a:p>
+                  </a:txBody>
+                  <a:tcPr/>
+                </a:tc>
+              </a:tr>
+              <a:tr h="370840">
+                <a:tc>
+                  <a:txBody>
+                    <a:bodyPr/>
+                    <a:lstStyle/>
+                    <a:p>
+                      <a:r>
+                        <a:rPr lang="en-US" dirty="0" smtClean="0"/>
+                        <a:t>…</a:t>
+                      </a:r>
+                      <a:endParaRPr lang="en-US" dirty="0"/>
+                    </a:p>
+                  </a:txBody>
+                  <a:tcPr/>
+                </a:tc>
+                <a:tc>
+                  <a:txBody>
+                    <a:bodyPr/>
+                    <a:lstStyle/>
+                    <a:p>
+                      <a:r>
+                        <a:rPr lang="en-US" dirty="0" smtClean="0"/>
+                        <a:t>…</a:t>
+                      </a:r>
+                      <a:endParaRPr lang="en-US" dirty="0"/>
+                    </a:p>
+                  </a:txBody>
+                  <a:tcPr/>
+                </a:tc>
+                <a:tc>
+                  <a:txBody>
+                    <a:bodyPr/>
+                    <a:lstStyle/>
+                    <a:p>
+                      <a:r>
+                        <a:rPr lang="en-US" dirty="0" smtClean="0"/>
+                        <a:t>…</a:t>
+                      </a:r>
+                      <a:endParaRPr lang="en-US" dirty="0"/>
+                    </a:p>
+                  </a:txBody>
+                  <a:tcPr/>
+                </a:tc>
+              </a:tr>
+            </a:tbl>
+          </a:graphicData>
+        </a:graphic>
+      </p:graphicFrame>
+      <mc:AlternateContent xmlns:mc="http://schemas.openxmlformats.org/markup-compatibility/2006">
+        <mc:Choice xmlns:a14="http://schemas.microsoft.com/office/drawing/2010/main" Requires="a14">
+          <p:sp>
+            <p:nvSpPr>
+              <p:cNvPr id="17" name="TextBox 16"/>
+              <p:cNvSpPr txBox="1"/>
+              <p:nvPr/>
+            </p:nvSpPr>
+            <p:spPr>
+              <a:xfrm>
+                <a:off x="3488757" y="3956905"/>
+                <a:ext cx="2183802" cy="369332"/>
+              </a:xfrm>
+              <a:prstGeom prst="rect">
+                <a:avLst/>
+              </a:prstGeom>
+              <a:noFill/>
+            </p:spPr>
+            <p:txBody>
+              <a:bodyPr wrap="square" rtlCol="0">
+                <a:spAutoFit/>
+              </a:bodyPr>
+              <a:lstStyle/>
+              <a:p>
+                <a14:m>
+                  <m:oMathPara xmlns:m="http://schemas.openxmlformats.org/officeDocument/2006/math">
+                    <m:oMathParaPr>
+                      <m:jc m:val="centerGroup"/>
+                    </m:oMathParaPr>
+                    <m:oMath xmlns:m="http://schemas.openxmlformats.org/officeDocument/2006/math">
+                      <m:r>
+                        <a:rPr lang="en-US" b="0" i="1" smtClean="0">
+                          <a:latin typeface="Cambria Math" panose="02040503050406030204" pitchFamily="18" charset="0"/>
+                        </a:rPr>
+                        <m:t>𝑃</m:t>
+                      </m:r>
+                      <m:d>
+                        <m:dPr>
+                          <m:endChr m:val="|"/>
+                          <m:ctrlPr>
+                            <a:rPr lang="en-US" b="0" i="1" smtClean="0">
+                              <a:latin typeface="Cambria Math" panose="02040503050406030204" pitchFamily="18" charset="0"/>
+                            </a:rPr>
+                          </m:ctrlPr>
+                        </m:dPr>
+                        <m:e>
+                          <m:r>
+                            <a:rPr lang="en-US" b="0" i="1" smtClean="0">
+                              <a:latin typeface="Cambria Math" panose="02040503050406030204" pitchFamily="18" charset="0"/>
+                            </a:rPr>
+                            <m:t>𝑐𝑢𝑟𝑟𝑒𝑛𝑡</m:t>
+                          </m:r>
+                          <m:r>
+                            <a:rPr lang="en-US" b="0" i="1" smtClean="0">
+                              <a:latin typeface="Cambria Math" panose="02040503050406030204" pitchFamily="18" charset="0"/>
+                            </a:rPr>
+                            <m:t> </m:t>
+                          </m:r>
+                          <m:r>
+                            <a:rPr lang="en-US" b="0" i="1" smtClean="0">
+                              <a:latin typeface="Cambria Math" panose="02040503050406030204" pitchFamily="18" charset="0"/>
+                            </a:rPr>
+                            <m:t>𝑤𝑜𝑟𝑑</m:t>
+                          </m:r>
+                          <m:r>
+                            <a:rPr lang="en-US" b="0" i="1" smtClean="0">
+                              <a:latin typeface="Cambria Math" panose="02040503050406030204" pitchFamily="18" charset="0"/>
+                            </a:rPr>
+                            <m:t> </m:t>
+                          </m:r>
+                        </m:e>
+                      </m:d>
+                      <m:r>
+                        <a:rPr lang="en-US" b="0" i="1" smtClean="0">
+                          <a:latin typeface="Cambria Math" panose="02040503050406030204" pitchFamily="18" charset="0"/>
+                        </a:rPr>
+                        <m:t> </m:t>
+                      </m:r>
+                      <m:r>
+                        <a:rPr lang="en-US" b="0" i="1" smtClean="0">
+                          <a:latin typeface="Cambria Math" panose="02040503050406030204" pitchFamily="18" charset="0"/>
+                        </a:rPr>
+                        <m:t>𝑃𝑟𝑒𝑑𝑖𝑐𝑎𝑡𝑒</m:t>
+                      </m:r>
+                      <m:r>
+                        <a:rPr lang="en-US" b="0" i="1" smtClean="0">
+                          <a:latin typeface="Cambria Math" panose="02040503050406030204" pitchFamily="18" charset="0"/>
+                        </a:rPr>
+                        <m:t>)</m:t>
+                      </m:r>
+                    </m:oMath>
+                  </m:oMathPara>
+                </a14:m>
+                <a:endParaRPr lang="en-US" dirty="0"/>
+              </a:p>
+            </p:txBody>
+          </p:sp>
+        </mc:Choice>
+        <mc:Fallback>
+          <p:sp>
+            <p:nvSpPr>
+              <p:cNvPr id="17" name="TextBox 16"/>
+              <p:cNvSpPr txBox="1">
+                <a:spLocks noRot="1" noChangeAspect="1" noMove="1" noResize="1" noEditPoints="1" noAdjustHandles="1" noChangeArrowheads="1" noChangeShapeType="1" noTextEdit="1"/>
+              </p:cNvSpPr>
+              <p:nvPr/>
+            </p:nvSpPr>
+            <p:spPr>
+              <a:xfrm>
+                <a:off x="3488757" y="3956905"/>
+                <a:ext cx="2183802" cy="369332"/>
+              </a:xfrm>
+              <a:prstGeom prst="rect">
+                <a:avLst/>
+              </a:prstGeom>
+              <a:blipFill rotWithShape="0">
+                <a:blip r:embed="rId2"/>
+                <a:stretch>
+                  <a:fillRect r="-41783" b="-13115"/>
+                </a:stretch>
+              </a:blipFill>
+            </p:spPr>
+            <p:txBody>
+              <a:bodyPr/>
+              <a:lstStyle/>
+              <a:p>
+                <a:r>
+                  <a:rPr lang="en-US">
+                    <a:noFill/>
+                  </a:rPr>
+                  <a:t> </a:t>
+                </a:r>
+              </a:p>
+            </p:txBody>
+          </p:sp>
+        </mc:Fallback>
+      </mc:AlternateContent>
     </p:spTree>
     <p:extLst>
       <p:ext uri="{BB962C8B-B14F-4D97-AF65-F5344CB8AC3E}">
